--- a/Presentations/PPC_Lesson_IEnumerator.pptx
+++ b/Presentations/PPC_Lesson_IEnumerator.pptx
@@ -249,7 +249,7 @@
           <a:p>
             <a:fld id="{F939DB40-1302-41AD-90AD-12D1D5337234}" type="datetimeFigureOut">
               <a:rPr lang="en-US" smtClean="0"/>
-              <a:t>1/5/2016</a:t>
+              <a:t>1/6/2016</a:t>
             </a:fld>
             <a:endParaRPr lang="en-US"/>
           </a:p>
@@ -419,7 +419,7 @@
           <a:p>
             <a:fld id="{F939DB40-1302-41AD-90AD-12D1D5337234}" type="datetimeFigureOut">
               <a:rPr lang="en-US" smtClean="0"/>
-              <a:t>1/5/2016</a:t>
+              <a:t>1/6/2016</a:t>
             </a:fld>
             <a:endParaRPr lang="en-US"/>
           </a:p>
@@ -599,7 +599,7 @@
           <a:p>
             <a:fld id="{F939DB40-1302-41AD-90AD-12D1D5337234}" type="datetimeFigureOut">
               <a:rPr lang="en-US" smtClean="0"/>
-              <a:t>1/5/2016</a:t>
+              <a:t>1/6/2016</a:t>
             </a:fld>
             <a:endParaRPr lang="en-US"/>
           </a:p>
@@ -769,7 +769,7 @@
           <a:p>
             <a:fld id="{F939DB40-1302-41AD-90AD-12D1D5337234}" type="datetimeFigureOut">
               <a:rPr lang="en-US" smtClean="0"/>
-              <a:t>1/5/2016</a:t>
+              <a:t>1/6/2016</a:t>
             </a:fld>
             <a:endParaRPr lang="en-US"/>
           </a:p>
@@ -1015,7 +1015,7 @@
           <a:p>
             <a:fld id="{F939DB40-1302-41AD-90AD-12D1D5337234}" type="datetimeFigureOut">
               <a:rPr lang="en-US" smtClean="0"/>
-              <a:t>1/5/2016</a:t>
+              <a:t>1/6/2016</a:t>
             </a:fld>
             <a:endParaRPr lang="en-US"/>
           </a:p>
@@ -1247,7 +1247,7 @@
           <a:p>
             <a:fld id="{F939DB40-1302-41AD-90AD-12D1D5337234}" type="datetimeFigureOut">
               <a:rPr lang="en-US" smtClean="0"/>
-              <a:t>1/5/2016</a:t>
+              <a:t>1/6/2016</a:t>
             </a:fld>
             <a:endParaRPr lang="en-US"/>
           </a:p>
@@ -1614,7 +1614,7 @@
           <a:p>
             <a:fld id="{F939DB40-1302-41AD-90AD-12D1D5337234}" type="datetimeFigureOut">
               <a:rPr lang="en-US" smtClean="0"/>
-              <a:t>1/5/2016</a:t>
+              <a:t>1/6/2016</a:t>
             </a:fld>
             <a:endParaRPr lang="en-US"/>
           </a:p>
@@ -1732,7 +1732,7 @@
           <a:p>
             <a:fld id="{F939DB40-1302-41AD-90AD-12D1D5337234}" type="datetimeFigureOut">
               <a:rPr lang="en-US" smtClean="0"/>
-              <a:t>1/5/2016</a:t>
+              <a:t>1/6/2016</a:t>
             </a:fld>
             <a:endParaRPr lang="en-US"/>
           </a:p>
@@ -1827,7 +1827,7 @@
           <a:p>
             <a:fld id="{F939DB40-1302-41AD-90AD-12D1D5337234}" type="datetimeFigureOut">
               <a:rPr lang="en-US" smtClean="0"/>
-              <a:t>1/5/2016</a:t>
+              <a:t>1/6/2016</a:t>
             </a:fld>
             <a:endParaRPr lang="en-US"/>
           </a:p>
@@ -2104,7 +2104,7 @@
           <a:p>
             <a:fld id="{F939DB40-1302-41AD-90AD-12D1D5337234}" type="datetimeFigureOut">
               <a:rPr lang="en-US" smtClean="0"/>
-              <a:t>1/5/2016</a:t>
+              <a:t>1/6/2016</a:t>
             </a:fld>
             <a:endParaRPr lang="en-US"/>
           </a:p>
@@ -2357,7 +2357,7 @@
           <a:p>
             <a:fld id="{F939DB40-1302-41AD-90AD-12D1D5337234}" type="datetimeFigureOut">
               <a:rPr lang="en-US" smtClean="0"/>
-              <a:t>1/5/2016</a:t>
+              <a:t>1/6/2016</a:t>
             </a:fld>
             <a:endParaRPr lang="en-US"/>
           </a:p>
@@ -2570,7 +2570,7 @@
           <a:p>
             <a:fld id="{F939DB40-1302-41AD-90AD-12D1D5337234}" type="datetimeFigureOut">
               <a:rPr lang="en-US" smtClean="0"/>
-              <a:t>1/5/2016</a:t>
+              <a:t>1/6/2016</a:t>
             </a:fld>
             <a:endParaRPr lang="en-US"/>
           </a:p>
@@ -3014,25 +3014,28 @@
           <a:lstStyle/>
           <a:p>
             <a:r>
-              <a:rPr lang="en-US" dirty="0" err="1" smtClean="0"/>
+              <a:rPr lang="en-US" dirty="0" err="1"/>
               <a:t>Coroutines</a:t>
             </a:r>
             <a:r>
-              <a:rPr lang="en-US" dirty="0" smtClean="0"/>
-              <a:t> </a:t>
-            </a:r>
-            <a:r>
-              <a:rPr lang="en-US" dirty="0" err="1" smtClean="0"/>
+              <a:rPr lang="en-US" dirty="0"/>
+              <a:t> </a:t>
+            </a:r>
+            <a:r>
+              <a:rPr lang="en-US" dirty="0" err="1"/>
               <a:t>en</a:t>
             </a:r>
             <a:r>
-              <a:rPr lang="en-US" dirty="0" smtClean="0"/>
-              <a:t> </a:t>
-            </a:r>
-            <a:r>
-              <a:rPr lang="en-US" dirty="0" err="1" smtClean="0"/>
+              <a:rPr lang="en-US" dirty="0"/>
+              <a:t> </a:t>
+            </a:r>
+            <a:r>
+              <a:rPr lang="en-US" dirty="0" err="1"/>
               <a:t>IENumerator</a:t>
             </a:r>
+            <a:endParaRPr lang="en-US" dirty="0"/>
+          </a:p>
+          <a:p>
             <a:endParaRPr lang="en-US" dirty="0"/>
           </a:p>
         </p:txBody>
@@ -4361,10 +4364,12 @@
             </a:r>
             <a:r>
               <a:rPr lang="en-US" dirty="0" smtClean="0"/>
-              <a:t> punt A.</a:t>
-            </a:r>
-          </a:p>
-          <a:p>
+              <a:t> punt A</a:t>
+            </a:r>
+            <a:r>
+              <a:rPr lang="en-US" dirty="0" smtClean="0"/>
+              <a:t>.</a:t>
+            </a:r>
             <a:endParaRPr lang="en-US" dirty="0" smtClean="0"/>
           </a:p>
           <a:p>
@@ -4440,6 +4445,9 @@
               <a:rPr lang="en-US" dirty="0" smtClean="0"/>
               <a:t>.</a:t>
             </a:r>
+          </a:p>
+          <a:p>
+            <a:endParaRPr lang="en-US" dirty="0" smtClean="0"/>
           </a:p>
           <a:p>
             <a:r>
